--- a/inst/manuscript/MALAT1/MALAT1.pptx
+++ b/inst/manuscript/MALAT1/MALAT1.pptx
@@ -3654,6 +3654,42 @@
           </p:spPr>
         </p:pic>
       </p:grpSp>
+      <p:pic>
+        <p:nvPicPr>
+          <p:cNvPr id="4" name="Picture 3">
+            <a:extLst>
+              <a:ext uri="{FF2B5EF4-FFF2-40B4-BE49-F238E27FC236}">
+                <a16:creationId xmlns:a16="http://schemas.microsoft.com/office/drawing/2014/main" id="{882D5191-FDC7-4B9D-884E-3C7C4D209462}"/>
+              </a:ext>
+            </a:extLst>
+          </p:cNvPr>
+          <p:cNvPicPr>
+            <a:picLocks noChangeAspect="1"/>
+          </p:cNvPicPr>
+          <p:nvPr/>
+        </p:nvPicPr>
+        <p:blipFill>
+          <a:blip r:embed="rId9">
+            <a:extLst>
+              <a:ext uri="{28A0092B-C50C-407E-A947-70E740481C1C}">
+                <a14:useLocalDpi xmlns:a14="http://schemas.microsoft.com/office/drawing/2010/main" val="0"/>
+              </a:ext>
+            </a:extLst>
+          </a:blip>
+          <a:stretch>
+            <a:fillRect/>
+          </a:stretch>
+        </p:blipFill>
+        <p:spPr>
+          <a:xfrm>
+            <a:off x="0" y="-3457"/>
+            <a:ext cx="1049267" cy="2098533"/>
+          </a:xfrm>
+          <a:prstGeom prst="rect">
+            <a:avLst/>
+          </a:prstGeom>
+        </p:spPr>
+      </p:pic>
     </p:spTree>
     <p:extLst>
       <p:ext uri="{BB962C8B-B14F-4D97-AF65-F5344CB8AC3E}">

--- a/inst/manuscript/MALAT1/MALAT1.pptx
+++ b/inst/manuscript/MALAT1/MALAT1.pptx
@@ -259,7 +259,7 @@
           <a:p>
             <a:fld id="{D39268F5-FBE8-482A-9962-C8C6791C9A4E}" type="datetimeFigureOut">
               <a:rPr lang="en-US" smtClean="0"/>
-              <a:t>8/27/2020</a:t>
+              <a:t>10/9/2020</a:t>
             </a:fld>
             <a:endParaRPr lang="en-US"/>
           </a:p>
@@ -457,7 +457,7 @@
           <a:p>
             <a:fld id="{D39268F5-FBE8-482A-9962-C8C6791C9A4E}" type="datetimeFigureOut">
               <a:rPr lang="en-US" smtClean="0"/>
-              <a:t>8/27/2020</a:t>
+              <a:t>10/9/2020</a:t>
             </a:fld>
             <a:endParaRPr lang="en-US"/>
           </a:p>
@@ -665,7 +665,7 @@
           <a:p>
             <a:fld id="{D39268F5-FBE8-482A-9962-C8C6791C9A4E}" type="datetimeFigureOut">
               <a:rPr lang="en-US" smtClean="0"/>
-              <a:t>8/27/2020</a:t>
+              <a:t>10/9/2020</a:t>
             </a:fld>
             <a:endParaRPr lang="en-US"/>
           </a:p>
@@ -863,7 +863,7 @@
           <a:p>
             <a:fld id="{D39268F5-FBE8-482A-9962-C8C6791C9A4E}" type="datetimeFigureOut">
               <a:rPr lang="en-US" smtClean="0"/>
-              <a:t>8/27/2020</a:t>
+              <a:t>10/9/2020</a:t>
             </a:fld>
             <a:endParaRPr lang="en-US"/>
           </a:p>
@@ -1138,7 +1138,7 @@
           <a:p>
             <a:fld id="{D39268F5-FBE8-482A-9962-C8C6791C9A4E}" type="datetimeFigureOut">
               <a:rPr lang="en-US" smtClean="0"/>
-              <a:t>8/27/2020</a:t>
+              <a:t>10/9/2020</a:t>
             </a:fld>
             <a:endParaRPr lang="en-US"/>
           </a:p>
@@ -1403,7 +1403,7 @@
           <a:p>
             <a:fld id="{D39268F5-FBE8-482A-9962-C8C6791C9A4E}" type="datetimeFigureOut">
               <a:rPr lang="en-US" smtClean="0"/>
-              <a:t>8/27/2020</a:t>
+              <a:t>10/9/2020</a:t>
             </a:fld>
             <a:endParaRPr lang="en-US"/>
           </a:p>
@@ -1815,7 +1815,7 @@
           <a:p>
             <a:fld id="{D39268F5-FBE8-482A-9962-C8C6791C9A4E}" type="datetimeFigureOut">
               <a:rPr lang="en-US" smtClean="0"/>
-              <a:t>8/27/2020</a:t>
+              <a:t>10/9/2020</a:t>
             </a:fld>
             <a:endParaRPr lang="en-US"/>
           </a:p>
@@ -1956,7 +1956,7 @@
           <a:p>
             <a:fld id="{D39268F5-FBE8-482A-9962-C8C6791C9A4E}" type="datetimeFigureOut">
               <a:rPr lang="en-US" smtClean="0"/>
-              <a:t>8/27/2020</a:t>
+              <a:t>10/9/2020</a:t>
             </a:fld>
             <a:endParaRPr lang="en-US"/>
           </a:p>
@@ -2069,7 +2069,7 @@
           <a:p>
             <a:fld id="{D39268F5-FBE8-482A-9962-C8C6791C9A4E}" type="datetimeFigureOut">
               <a:rPr lang="en-US" smtClean="0"/>
-              <a:t>8/27/2020</a:t>
+              <a:t>10/9/2020</a:t>
             </a:fld>
             <a:endParaRPr lang="en-US"/>
           </a:p>
@@ -2380,7 +2380,7 @@
           <a:p>
             <a:fld id="{D39268F5-FBE8-482A-9962-C8C6791C9A4E}" type="datetimeFigureOut">
               <a:rPr lang="en-US" smtClean="0"/>
-              <a:t>8/27/2020</a:t>
+              <a:t>10/9/2020</a:t>
             </a:fld>
             <a:endParaRPr lang="en-US"/>
           </a:p>
@@ -2668,7 +2668,7 @@
           <a:p>
             <a:fld id="{D39268F5-FBE8-482A-9962-C8C6791C9A4E}" type="datetimeFigureOut">
               <a:rPr lang="en-US" smtClean="0"/>
-              <a:t>8/27/2020</a:t>
+              <a:t>10/9/2020</a:t>
             </a:fld>
             <a:endParaRPr lang="en-US"/>
           </a:p>
@@ -2909,7 +2909,7 @@
           <a:p>
             <a:fld id="{D39268F5-FBE8-482A-9962-C8C6791C9A4E}" type="datetimeFigureOut">
               <a:rPr lang="en-US" smtClean="0"/>
-              <a:t>8/27/2020</a:t>
+              <a:t>10/9/2020</a:t>
             </a:fld>
             <a:endParaRPr lang="en-US"/>
           </a:p>
@@ -3326,340 +3326,12 @@
           <a:chExt cx="0" cy="0"/>
         </a:xfrm>
       </p:grpSpPr>
-      <p:grpSp>
-        <p:nvGrpSpPr>
-          <p:cNvPr id="30" name="Group 29">
-            <a:extLst>
-              <a:ext uri="{FF2B5EF4-FFF2-40B4-BE49-F238E27FC236}">
-                <a16:creationId xmlns:a16="http://schemas.microsoft.com/office/drawing/2014/main" id="{BAF6262F-74FF-4D4C-83D5-C6E8A23C5981}"/>
-              </a:ext>
-            </a:extLst>
-          </p:cNvPr>
-          <p:cNvGrpSpPr/>
-          <p:nvPr/>
-        </p:nvGrpSpPr>
-        <p:grpSpPr>
-          <a:xfrm>
-            <a:off x="-5471" y="-3457"/>
-            <a:ext cx="12185413" cy="6861457"/>
-            <a:chOff x="-5471" y="-3457"/>
-            <a:chExt cx="12185413" cy="6861457"/>
-          </a:xfrm>
-        </p:grpSpPr>
-        <p:pic>
-          <p:nvPicPr>
-            <p:cNvPr id="3" name="Picture 2">
-              <a:extLst>
-                <a:ext uri="{FF2B5EF4-FFF2-40B4-BE49-F238E27FC236}">
-                  <a16:creationId xmlns:a16="http://schemas.microsoft.com/office/drawing/2014/main" id="{1EE852D9-18F5-4429-BAE2-9D4866624560}"/>
-                </a:ext>
-              </a:extLst>
-            </p:cNvPr>
-            <p:cNvPicPr>
-              <a:picLocks noChangeAspect="1"/>
-            </p:cNvPicPr>
-            <p:nvPr/>
-          </p:nvPicPr>
-          <p:blipFill>
-            <a:blip r:embed="rId2">
-              <a:extLst>
-                <a:ext uri="{28A0092B-C50C-407E-A947-70E740481C1C}">
-                  <a14:useLocalDpi xmlns:a14="http://schemas.microsoft.com/office/drawing/2010/main" val="0"/>
-                </a:ext>
-              </a:extLst>
-            </a:blip>
-            <a:stretch>
-              <a:fillRect/>
-            </a:stretch>
-          </p:blipFill>
-          <p:spPr>
-            <a:xfrm>
-              <a:off x="10625462" y="-3457"/>
-              <a:ext cx="1554480" cy="1554480"/>
-            </a:xfrm>
-            <a:prstGeom prst="rect">
-              <a:avLst/>
-            </a:prstGeom>
-          </p:spPr>
-        </p:pic>
-        <p:pic>
-          <p:nvPicPr>
-            <p:cNvPr id="7" name="Picture 6">
-              <a:extLst>
-                <a:ext uri="{FF2B5EF4-FFF2-40B4-BE49-F238E27FC236}">
-                  <a16:creationId xmlns:a16="http://schemas.microsoft.com/office/drawing/2014/main" id="{0FDB5CCC-324D-4FA3-AA7B-50BD78CC29F3}"/>
-                </a:ext>
-              </a:extLst>
-            </p:cNvPr>
-            <p:cNvPicPr>
-              <a:picLocks noChangeAspect="1"/>
-            </p:cNvPicPr>
-            <p:nvPr/>
-          </p:nvPicPr>
-          <p:blipFill>
-            <a:blip r:embed="rId3">
-              <a:extLst>
-                <a:ext uri="{28A0092B-C50C-407E-A947-70E740481C1C}">
-                  <a14:useLocalDpi xmlns:a14="http://schemas.microsoft.com/office/drawing/2010/main" val="0"/>
-                </a:ext>
-              </a:extLst>
-            </a:blip>
-            <a:stretch>
-              <a:fillRect/>
-            </a:stretch>
-          </p:blipFill>
-          <p:spPr>
-            <a:xfrm>
-              <a:off x="8985090" y="-3457"/>
-              <a:ext cx="1554480" cy="1554480"/>
-            </a:xfrm>
-            <a:prstGeom prst="rect">
-              <a:avLst/>
-            </a:prstGeom>
-          </p:spPr>
-        </p:pic>
-        <p:pic>
-          <p:nvPicPr>
-            <p:cNvPr id="10" name="Picture 9">
-              <a:extLst>
-                <a:ext uri="{FF2B5EF4-FFF2-40B4-BE49-F238E27FC236}">
-                  <a16:creationId xmlns:a16="http://schemas.microsoft.com/office/drawing/2014/main" id="{854AD219-C747-4379-8C65-F38C667FA743}"/>
-                </a:ext>
-              </a:extLst>
-            </p:cNvPr>
-            <p:cNvPicPr>
-              <a:picLocks noChangeAspect="1"/>
-            </p:cNvPicPr>
-            <p:nvPr/>
-          </p:nvPicPr>
-          <p:blipFill>
-            <a:blip r:embed="rId4">
-              <a:extLst>
-                <a:ext uri="{28A0092B-C50C-407E-A947-70E740481C1C}">
-                  <a14:useLocalDpi xmlns:a14="http://schemas.microsoft.com/office/drawing/2010/main" val="0"/>
-                </a:ext>
-              </a:extLst>
-            </a:blip>
-            <a:stretch>
-              <a:fillRect/>
-            </a:stretch>
-          </p:blipFill>
-          <p:spPr>
-            <a:xfrm>
-              <a:off x="7390909" y="-3457"/>
-              <a:ext cx="1554480" cy="1554480"/>
-            </a:xfrm>
-            <a:prstGeom prst="rect">
-              <a:avLst/>
-            </a:prstGeom>
-          </p:spPr>
-        </p:pic>
-        <p:grpSp>
-          <p:nvGrpSpPr>
-            <p:cNvPr id="29" name="Group 28">
-              <a:extLst>
-                <a:ext uri="{FF2B5EF4-FFF2-40B4-BE49-F238E27FC236}">
-                  <a16:creationId xmlns:a16="http://schemas.microsoft.com/office/drawing/2014/main" id="{1907530C-410F-4BD3-AB8D-E59FE5B12967}"/>
-                </a:ext>
-              </a:extLst>
-            </p:cNvPr>
-            <p:cNvGrpSpPr/>
-            <p:nvPr/>
-          </p:nvGrpSpPr>
-          <p:grpSpPr>
-            <a:xfrm>
-              <a:off x="-5471" y="387068"/>
-              <a:ext cx="7127695" cy="6470932"/>
-              <a:chOff x="-5471" y="387068"/>
-              <a:chExt cx="7127695" cy="6470932"/>
-            </a:xfrm>
-          </p:grpSpPr>
-          <p:pic>
-            <p:nvPicPr>
-              <p:cNvPr id="14" name="Picture 13">
-                <a:extLst>
-                  <a:ext uri="{FF2B5EF4-FFF2-40B4-BE49-F238E27FC236}">
-                    <a16:creationId xmlns:a16="http://schemas.microsoft.com/office/drawing/2014/main" id="{F21ABBF0-E4B8-4EA0-9AAF-3267CAD8963A}"/>
-                  </a:ext>
-                </a:extLst>
-              </p:cNvPr>
-              <p:cNvPicPr>
-                <a:picLocks noChangeAspect="1"/>
-              </p:cNvPicPr>
-              <p:nvPr/>
-            </p:nvPicPr>
-            <p:blipFill rotWithShape="1">
-              <a:blip r:embed="rId5">
-                <a:extLst>
-                  <a:ext uri="{28A0092B-C50C-407E-A947-70E740481C1C}">
-                    <a14:useLocalDpi xmlns:a14="http://schemas.microsoft.com/office/drawing/2010/main" val="0"/>
-                  </a:ext>
-                </a:extLst>
-              </a:blip>
-              <a:srcRect l="19949" t="85041" r="2532" b="2887"/>
-              <a:stretch/>
-            </p:blipFill>
-            <p:spPr>
-              <a:xfrm>
-                <a:off x="-5471" y="6004170"/>
-                <a:ext cx="7127695" cy="853830"/>
-              </a:xfrm>
-              <a:prstGeom prst="rect">
-                <a:avLst/>
-              </a:prstGeom>
-            </p:spPr>
-          </p:pic>
-          <p:pic>
-            <p:nvPicPr>
-              <p:cNvPr id="15" name="Picture 14">
-                <a:extLst>
-                  <a:ext uri="{FF2B5EF4-FFF2-40B4-BE49-F238E27FC236}">
-                    <a16:creationId xmlns:a16="http://schemas.microsoft.com/office/drawing/2014/main" id="{BD460B4F-C2D8-4660-96E9-897C4C1A7391}"/>
-                  </a:ext>
-                </a:extLst>
-              </p:cNvPr>
-              <p:cNvPicPr>
-                <a:picLocks noChangeAspect="1"/>
-              </p:cNvPicPr>
-              <p:nvPr/>
-            </p:nvPicPr>
-            <p:blipFill rotWithShape="1">
-              <a:blip r:embed="rId5">
-                <a:extLst>
-                  <a:ext uri="{28A0092B-C50C-407E-A947-70E740481C1C}">
-                    <a14:useLocalDpi xmlns:a14="http://schemas.microsoft.com/office/drawing/2010/main" val="0"/>
-                  </a:ext>
-                </a:extLst>
-              </a:blip>
-              <a:srcRect l="18840" t="5224" r="18924" b="14414"/>
-              <a:stretch/>
-            </p:blipFill>
-            <p:spPr>
-              <a:xfrm>
-                <a:off x="672860" y="387068"/>
-                <a:ext cx="5722443" cy="5683923"/>
-              </a:xfrm>
-              <a:prstGeom prst="rect">
-                <a:avLst/>
-              </a:prstGeom>
-            </p:spPr>
-          </p:pic>
-        </p:grpSp>
-        <p:pic>
-          <p:nvPicPr>
-            <p:cNvPr id="22" name="Picture 21">
-              <a:extLst>
-                <a:ext uri="{FF2B5EF4-FFF2-40B4-BE49-F238E27FC236}">
-                  <a16:creationId xmlns:a16="http://schemas.microsoft.com/office/drawing/2014/main" id="{1C35DE99-E0EC-4940-AC01-3395D737B357}"/>
-                </a:ext>
-              </a:extLst>
-            </p:cNvPr>
-            <p:cNvPicPr>
-              <a:picLocks noChangeAspect="1"/>
-            </p:cNvPicPr>
-            <p:nvPr/>
-          </p:nvPicPr>
-          <p:blipFill>
-            <a:blip r:embed="rId6">
-              <a:extLst>
-                <a:ext uri="{28A0092B-C50C-407E-A947-70E740481C1C}">
-                  <a14:useLocalDpi xmlns:a14="http://schemas.microsoft.com/office/drawing/2010/main" val="0"/>
-                </a:ext>
-              </a:extLst>
-            </a:blip>
-            <a:stretch>
-              <a:fillRect/>
-            </a:stretch>
-          </p:blipFill>
-          <p:spPr>
-            <a:xfrm>
-              <a:off x="6396202" y="3636024"/>
-              <a:ext cx="2041175" cy="2041175"/>
-            </a:xfrm>
-            <a:prstGeom prst="rect">
-              <a:avLst/>
-            </a:prstGeom>
-          </p:spPr>
-        </p:pic>
-        <p:pic>
-          <p:nvPicPr>
-            <p:cNvPr id="26" name="Picture 25">
-              <a:extLst>
-                <a:ext uri="{FF2B5EF4-FFF2-40B4-BE49-F238E27FC236}">
-                  <a16:creationId xmlns:a16="http://schemas.microsoft.com/office/drawing/2014/main" id="{62AA4EAF-0FAC-43B8-BC6D-73EFE119A1D5}"/>
-                </a:ext>
-              </a:extLst>
-            </p:cNvPr>
-            <p:cNvPicPr>
-              <a:picLocks noChangeAspect="1"/>
-            </p:cNvPicPr>
-            <p:nvPr/>
-          </p:nvPicPr>
-          <p:blipFill>
-            <a:blip r:embed="rId7">
-              <a:extLst>
-                <a:ext uri="{28A0092B-C50C-407E-A947-70E740481C1C}">
-                  <a14:useLocalDpi xmlns:a14="http://schemas.microsoft.com/office/drawing/2010/main" val="0"/>
-                </a:ext>
-              </a:extLst>
-            </a:blip>
-            <a:stretch>
-              <a:fillRect/>
-            </a:stretch>
-          </p:blipFill>
-          <p:spPr>
-            <a:xfrm>
-              <a:off x="6395303" y="1674147"/>
-              <a:ext cx="2484694" cy="1987755"/>
-            </a:xfrm>
-            <a:prstGeom prst="rect">
-              <a:avLst/>
-            </a:prstGeom>
-          </p:spPr>
-        </p:pic>
-        <p:pic>
-          <p:nvPicPr>
-            <p:cNvPr id="12" name="Picture 11">
-              <a:extLst>
-                <a:ext uri="{FF2B5EF4-FFF2-40B4-BE49-F238E27FC236}">
-                  <a16:creationId xmlns:a16="http://schemas.microsoft.com/office/drawing/2014/main" id="{C2678370-47AB-4028-A0BE-0000D920C606}"/>
-                </a:ext>
-              </a:extLst>
-            </p:cNvPr>
-            <p:cNvPicPr>
-              <a:picLocks noChangeAspect="1"/>
-            </p:cNvPicPr>
-            <p:nvPr/>
-          </p:nvPicPr>
-          <p:blipFill>
-            <a:blip r:embed="rId8">
-              <a:extLst>
-                <a:ext uri="{28A0092B-C50C-407E-A947-70E740481C1C}">
-                  <a14:useLocalDpi xmlns:a14="http://schemas.microsoft.com/office/drawing/2010/main" val="0"/>
-                </a:ext>
-              </a:extLst>
-            </a:blip>
-            <a:stretch>
-              <a:fillRect/>
-            </a:stretch>
-          </p:blipFill>
-          <p:spPr>
-            <a:xfrm>
-              <a:off x="8523269" y="1517355"/>
-              <a:ext cx="3582838" cy="5340645"/>
-            </a:xfrm>
-            <a:prstGeom prst="rect">
-              <a:avLst/>
-            </a:prstGeom>
-          </p:spPr>
-        </p:pic>
-      </p:grpSp>
       <p:pic>
         <p:nvPicPr>
-          <p:cNvPr id="4" name="Picture 3">
-            <a:extLst>
-              <a:ext uri="{FF2B5EF4-FFF2-40B4-BE49-F238E27FC236}">
-                <a16:creationId xmlns:a16="http://schemas.microsoft.com/office/drawing/2014/main" id="{882D5191-FDC7-4B9D-884E-3C7C4D209462}"/>
+          <p:cNvPr id="3" name="Picture 2">
+            <a:extLst>
+              <a:ext uri="{FF2B5EF4-FFF2-40B4-BE49-F238E27FC236}">
+                <a16:creationId xmlns:a16="http://schemas.microsoft.com/office/drawing/2014/main" id="{1EE852D9-18F5-4429-BAE2-9D4866624560}"/>
               </a:ext>
             </a:extLst>
           </p:cNvPr>
@@ -3669,7 +3341,223 @@
           <p:nvPr/>
         </p:nvPicPr>
         <p:blipFill>
-          <a:blip r:embed="rId9">
+          <a:blip r:embed="rId2">
+            <a:extLst>
+              <a:ext uri="{28A0092B-C50C-407E-A947-70E740481C1C}">
+                <a14:useLocalDpi xmlns:a14="http://schemas.microsoft.com/office/drawing/2010/main" val="0"/>
+              </a:ext>
+            </a:extLst>
+          </a:blip>
+          <a:stretch>
+            <a:fillRect/>
+          </a:stretch>
+        </p:blipFill>
+        <p:spPr>
+          <a:xfrm>
+            <a:off x="10625462" y="-3457"/>
+            <a:ext cx="1554480" cy="1554480"/>
+          </a:xfrm>
+          <a:prstGeom prst="rect">
+            <a:avLst/>
+          </a:prstGeom>
+        </p:spPr>
+      </p:pic>
+      <p:pic>
+        <p:nvPicPr>
+          <p:cNvPr id="7" name="Picture 6">
+            <a:extLst>
+              <a:ext uri="{FF2B5EF4-FFF2-40B4-BE49-F238E27FC236}">
+                <a16:creationId xmlns:a16="http://schemas.microsoft.com/office/drawing/2014/main" id="{0FDB5CCC-324D-4FA3-AA7B-50BD78CC29F3}"/>
+              </a:ext>
+            </a:extLst>
+          </p:cNvPr>
+          <p:cNvPicPr>
+            <a:picLocks noChangeAspect="1"/>
+          </p:cNvPicPr>
+          <p:nvPr/>
+        </p:nvPicPr>
+        <p:blipFill>
+          <a:blip r:embed="rId3">
+            <a:extLst>
+              <a:ext uri="{28A0092B-C50C-407E-A947-70E740481C1C}">
+                <a14:useLocalDpi xmlns:a14="http://schemas.microsoft.com/office/drawing/2010/main" val="0"/>
+              </a:ext>
+            </a:extLst>
+          </a:blip>
+          <a:stretch>
+            <a:fillRect/>
+          </a:stretch>
+        </p:blipFill>
+        <p:spPr>
+          <a:xfrm>
+            <a:off x="8985090" y="-3457"/>
+            <a:ext cx="1554480" cy="1554480"/>
+          </a:xfrm>
+          <a:prstGeom prst="rect">
+            <a:avLst/>
+          </a:prstGeom>
+        </p:spPr>
+      </p:pic>
+      <p:pic>
+        <p:nvPicPr>
+          <p:cNvPr id="10" name="Picture 9">
+            <a:extLst>
+              <a:ext uri="{FF2B5EF4-FFF2-40B4-BE49-F238E27FC236}">
+                <a16:creationId xmlns:a16="http://schemas.microsoft.com/office/drawing/2014/main" id="{854AD219-C747-4379-8C65-F38C667FA743}"/>
+              </a:ext>
+            </a:extLst>
+          </p:cNvPr>
+          <p:cNvPicPr>
+            <a:picLocks noChangeAspect="1"/>
+          </p:cNvPicPr>
+          <p:nvPr/>
+        </p:nvPicPr>
+        <p:blipFill>
+          <a:blip r:embed="rId4">
+            <a:extLst>
+              <a:ext uri="{28A0092B-C50C-407E-A947-70E740481C1C}">
+                <a14:useLocalDpi xmlns:a14="http://schemas.microsoft.com/office/drawing/2010/main" val="0"/>
+              </a:ext>
+            </a:extLst>
+          </a:blip>
+          <a:stretch>
+            <a:fillRect/>
+          </a:stretch>
+        </p:blipFill>
+        <p:spPr>
+          <a:xfrm>
+            <a:off x="7390909" y="-3457"/>
+            <a:ext cx="1554480" cy="1554480"/>
+          </a:xfrm>
+          <a:prstGeom prst="rect">
+            <a:avLst/>
+          </a:prstGeom>
+        </p:spPr>
+      </p:pic>
+      <p:pic>
+        <p:nvPicPr>
+          <p:cNvPr id="22" name="Picture 21">
+            <a:extLst>
+              <a:ext uri="{FF2B5EF4-FFF2-40B4-BE49-F238E27FC236}">
+                <a16:creationId xmlns:a16="http://schemas.microsoft.com/office/drawing/2014/main" id="{1C35DE99-E0EC-4940-AC01-3395D737B357}"/>
+              </a:ext>
+            </a:extLst>
+          </p:cNvPr>
+          <p:cNvPicPr>
+            <a:picLocks noChangeAspect="1"/>
+          </p:cNvPicPr>
+          <p:nvPr/>
+        </p:nvPicPr>
+        <p:blipFill>
+          <a:blip r:embed="rId5">
+            <a:extLst>
+              <a:ext uri="{28A0092B-C50C-407E-A947-70E740481C1C}">
+                <a14:useLocalDpi xmlns:a14="http://schemas.microsoft.com/office/drawing/2010/main" val="0"/>
+              </a:ext>
+            </a:extLst>
+          </a:blip>
+          <a:stretch>
+            <a:fillRect/>
+          </a:stretch>
+        </p:blipFill>
+        <p:spPr>
+          <a:xfrm>
+            <a:off x="6396202" y="3636024"/>
+            <a:ext cx="2041175" cy="2041175"/>
+          </a:xfrm>
+          <a:prstGeom prst="rect">
+            <a:avLst/>
+          </a:prstGeom>
+        </p:spPr>
+      </p:pic>
+      <p:pic>
+        <p:nvPicPr>
+          <p:cNvPr id="26" name="Picture 25">
+            <a:extLst>
+              <a:ext uri="{FF2B5EF4-FFF2-40B4-BE49-F238E27FC236}">
+                <a16:creationId xmlns:a16="http://schemas.microsoft.com/office/drawing/2014/main" id="{62AA4EAF-0FAC-43B8-BC6D-73EFE119A1D5}"/>
+              </a:ext>
+            </a:extLst>
+          </p:cNvPr>
+          <p:cNvPicPr>
+            <a:picLocks noChangeAspect="1"/>
+          </p:cNvPicPr>
+          <p:nvPr/>
+        </p:nvPicPr>
+        <p:blipFill>
+          <a:blip r:embed="rId6">
+            <a:extLst>
+              <a:ext uri="{28A0092B-C50C-407E-A947-70E740481C1C}">
+                <a14:useLocalDpi xmlns:a14="http://schemas.microsoft.com/office/drawing/2010/main" val="0"/>
+              </a:ext>
+            </a:extLst>
+          </a:blip>
+          <a:stretch>
+            <a:fillRect/>
+          </a:stretch>
+        </p:blipFill>
+        <p:spPr>
+          <a:xfrm>
+            <a:off x="6395303" y="1674147"/>
+            <a:ext cx="2484694" cy="1987755"/>
+          </a:xfrm>
+          <a:prstGeom prst="rect">
+            <a:avLst/>
+          </a:prstGeom>
+        </p:spPr>
+      </p:pic>
+      <p:pic>
+        <p:nvPicPr>
+          <p:cNvPr id="12" name="Picture 11">
+            <a:extLst>
+              <a:ext uri="{FF2B5EF4-FFF2-40B4-BE49-F238E27FC236}">
+                <a16:creationId xmlns:a16="http://schemas.microsoft.com/office/drawing/2014/main" id="{C2678370-47AB-4028-A0BE-0000D920C606}"/>
+              </a:ext>
+            </a:extLst>
+          </p:cNvPr>
+          <p:cNvPicPr>
+            <a:picLocks noChangeAspect="1"/>
+          </p:cNvPicPr>
+          <p:nvPr/>
+        </p:nvPicPr>
+        <p:blipFill>
+          <a:blip r:embed="rId7">
+            <a:extLst>
+              <a:ext uri="{28A0092B-C50C-407E-A947-70E740481C1C}">
+                <a14:useLocalDpi xmlns:a14="http://schemas.microsoft.com/office/drawing/2010/main" val="0"/>
+              </a:ext>
+            </a:extLst>
+          </a:blip>
+          <a:stretch>
+            <a:fillRect/>
+          </a:stretch>
+        </p:blipFill>
+        <p:spPr>
+          <a:xfrm>
+            <a:off x="8523269" y="1517355"/>
+            <a:ext cx="3582838" cy="5340645"/>
+          </a:xfrm>
+          <a:prstGeom prst="rect">
+            <a:avLst/>
+          </a:prstGeom>
+        </p:spPr>
+      </p:pic>
+      <p:pic>
+        <p:nvPicPr>
+          <p:cNvPr id="4" name="Picture 3">
+            <a:extLst>
+              <a:ext uri="{FF2B5EF4-FFF2-40B4-BE49-F238E27FC236}">
+                <a16:creationId xmlns:a16="http://schemas.microsoft.com/office/drawing/2014/main" id="{882D5191-FDC7-4B9D-884E-3C7C4D209462}"/>
+              </a:ext>
+            </a:extLst>
+          </p:cNvPr>
+          <p:cNvPicPr>
+            <a:picLocks noChangeAspect="1"/>
+          </p:cNvPicPr>
+          <p:nvPr/>
+        </p:nvPicPr>
+        <p:blipFill>
+          <a:blip r:embed="rId8">
             <a:extLst>
               <a:ext uri="{28A0092B-C50C-407E-A947-70E740481C1C}">
                 <a14:useLocalDpi xmlns:a14="http://schemas.microsoft.com/office/drawing/2010/main" val="0"/>
@@ -3684,6 +3572,42 @@
           <a:xfrm>
             <a:off x="0" y="-3457"/>
             <a:ext cx="1049267" cy="2098533"/>
+          </a:xfrm>
+          <a:prstGeom prst="rect">
+            <a:avLst/>
+          </a:prstGeom>
+        </p:spPr>
+      </p:pic>
+      <p:pic>
+        <p:nvPicPr>
+          <p:cNvPr id="5" name="Picture 4">
+            <a:extLst>
+              <a:ext uri="{FF2B5EF4-FFF2-40B4-BE49-F238E27FC236}">
+                <a16:creationId xmlns:a16="http://schemas.microsoft.com/office/drawing/2014/main" id="{323D0882-2CFF-43C2-A82A-BA52E2199938}"/>
+              </a:ext>
+            </a:extLst>
+          </p:cNvPr>
+          <p:cNvPicPr>
+            <a:picLocks noChangeAspect="1"/>
+          </p:cNvPicPr>
+          <p:nvPr/>
+        </p:nvPicPr>
+        <p:blipFill>
+          <a:blip r:embed="rId9">
+            <a:extLst>
+              <a:ext uri="{28A0092B-C50C-407E-A947-70E740481C1C}">
+                <a14:useLocalDpi xmlns:a14="http://schemas.microsoft.com/office/drawing/2010/main" val="0"/>
+              </a:ext>
+            </a:extLst>
+          </a:blip>
+          <a:stretch>
+            <a:fillRect/>
+          </a:stretch>
+        </p:blipFill>
+        <p:spPr>
+          <a:xfrm>
+            <a:off x="-1088274" y="207024"/>
+            <a:ext cx="8915400" cy="6858000"/>
           </a:xfrm>
           <a:prstGeom prst="rect">
             <a:avLst/>
